--- a/Site/protótipo_site.pptx
+++ b/Site/protótipo_site.pptx
@@ -314,7 +314,7 @@
           <a:p>
             <a:fld id="{B854FCCC-1971-4334-98E6-125E401D5C30}" type="datetimeFigureOut">
               <a:rPr lang="pt-BR" smtClean="0"/>
-              <a:t>28/08/2019</a:t>
+              <a:t>02/09/2019</a:t>
             </a:fld>
             <a:endParaRPr lang="pt-BR"/>
           </a:p>
@@ -595,7 +595,7 @@
           <a:p>
             <a:fld id="{B854FCCC-1971-4334-98E6-125E401D5C30}" type="datetimeFigureOut">
               <a:rPr lang="pt-BR" smtClean="0"/>
-              <a:t>28/08/2019</a:t>
+              <a:t>02/09/2019</a:t>
             </a:fld>
             <a:endParaRPr lang="pt-BR"/>
           </a:p>
@@ -787,7 +787,7 @@
           <a:p>
             <a:fld id="{B854FCCC-1971-4334-98E6-125E401D5C30}" type="datetimeFigureOut">
               <a:rPr lang="pt-BR" smtClean="0"/>
-              <a:t>28/08/2019</a:t>
+              <a:t>02/09/2019</a:t>
             </a:fld>
             <a:endParaRPr lang="pt-BR"/>
           </a:p>
@@ -1048,7 +1048,7 @@
           <a:p>
             <a:fld id="{B854FCCC-1971-4334-98E6-125E401D5C30}" type="datetimeFigureOut">
               <a:rPr lang="pt-BR" smtClean="0"/>
-              <a:t>28/08/2019</a:t>
+              <a:t>02/09/2019</a:t>
             </a:fld>
             <a:endParaRPr lang="pt-BR"/>
           </a:p>
@@ -1474,7 +1474,7 @@
           <a:p>
             <a:fld id="{B854FCCC-1971-4334-98E6-125E401D5C30}" type="datetimeFigureOut">
               <a:rPr lang="pt-BR" smtClean="0"/>
-              <a:t>28/08/2019</a:t>
+              <a:t>02/09/2019</a:t>
             </a:fld>
             <a:endParaRPr lang="pt-BR"/>
           </a:p>
@@ -2020,7 +2020,7 @@
           <a:p>
             <a:fld id="{B854FCCC-1971-4334-98E6-125E401D5C30}" type="datetimeFigureOut">
               <a:rPr lang="pt-BR" smtClean="0"/>
-              <a:t>28/08/2019</a:t>
+              <a:t>02/09/2019</a:t>
             </a:fld>
             <a:endParaRPr lang="pt-BR"/>
           </a:p>
@@ -2851,7 +2851,7 @@
           <a:p>
             <a:fld id="{B854FCCC-1971-4334-98E6-125E401D5C30}" type="datetimeFigureOut">
               <a:rPr lang="pt-BR" smtClean="0"/>
-              <a:t>28/08/2019</a:t>
+              <a:t>02/09/2019</a:t>
             </a:fld>
             <a:endParaRPr lang="pt-BR"/>
           </a:p>
@@ -3021,7 +3021,7 @@
           <a:p>
             <a:fld id="{B854FCCC-1971-4334-98E6-125E401D5C30}" type="datetimeFigureOut">
               <a:rPr lang="pt-BR" smtClean="0"/>
-              <a:t>28/08/2019</a:t>
+              <a:t>02/09/2019</a:t>
             </a:fld>
             <a:endParaRPr lang="pt-BR"/>
           </a:p>
@@ -3201,7 +3201,7 @@
           <a:p>
             <a:fld id="{B854FCCC-1971-4334-98E6-125E401D5C30}" type="datetimeFigureOut">
               <a:rPr lang="pt-BR" smtClean="0"/>
-              <a:t>28/08/2019</a:t>
+              <a:t>02/09/2019</a:t>
             </a:fld>
             <a:endParaRPr lang="pt-BR"/>
           </a:p>
@@ -3371,7 +3371,7 @@
           <a:p>
             <a:fld id="{B854FCCC-1971-4334-98E6-125E401D5C30}" type="datetimeFigureOut">
               <a:rPr lang="pt-BR" smtClean="0"/>
-              <a:t>28/08/2019</a:t>
+              <a:t>02/09/2019</a:t>
             </a:fld>
             <a:endParaRPr lang="pt-BR"/>
           </a:p>
@@ -3628,7 +3628,7 @@
           <a:p>
             <a:fld id="{B854FCCC-1971-4334-98E6-125E401D5C30}" type="datetimeFigureOut">
               <a:rPr lang="pt-BR" smtClean="0"/>
-              <a:t>28/08/2019</a:t>
+              <a:t>02/09/2019</a:t>
             </a:fld>
             <a:endParaRPr lang="pt-BR"/>
           </a:p>
@@ -3860,7 +3860,7 @@
           <a:p>
             <a:fld id="{B854FCCC-1971-4334-98E6-125E401D5C30}" type="datetimeFigureOut">
               <a:rPr lang="pt-BR" smtClean="0"/>
-              <a:t>28/08/2019</a:t>
+              <a:t>02/09/2019</a:t>
             </a:fld>
             <a:endParaRPr lang="pt-BR"/>
           </a:p>
@@ -4253,7 +4253,7 @@
           <a:p>
             <a:fld id="{B854FCCC-1971-4334-98E6-125E401D5C30}" type="datetimeFigureOut">
               <a:rPr lang="pt-BR" smtClean="0"/>
-              <a:t>28/08/2019</a:t>
+              <a:t>02/09/2019</a:t>
             </a:fld>
             <a:endParaRPr lang="pt-BR"/>
           </a:p>
@@ -4371,7 +4371,7 @@
           <a:p>
             <a:fld id="{B854FCCC-1971-4334-98E6-125E401D5C30}" type="datetimeFigureOut">
               <a:rPr lang="pt-BR" smtClean="0"/>
-              <a:t>28/08/2019</a:t>
+              <a:t>02/09/2019</a:t>
             </a:fld>
             <a:endParaRPr lang="pt-BR"/>
           </a:p>
@@ -4466,7 +4466,7 @@
           <a:p>
             <a:fld id="{B854FCCC-1971-4334-98E6-125E401D5C30}" type="datetimeFigureOut">
               <a:rPr lang="pt-BR" smtClean="0"/>
-              <a:t>28/08/2019</a:t>
+              <a:t>02/09/2019</a:t>
             </a:fld>
             <a:endParaRPr lang="pt-BR"/>
           </a:p>
@@ -4739,7 +4739,7 @@
           <a:p>
             <a:fld id="{B854FCCC-1971-4334-98E6-125E401D5C30}" type="datetimeFigureOut">
               <a:rPr lang="pt-BR" smtClean="0"/>
-              <a:t>28/08/2019</a:t>
+              <a:t>02/09/2019</a:t>
             </a:fld>
             <a:endParaRPr lang="pt-BR"/>
           </a:p>
@@ -5020,7 +5020,7 @@
           <a:p>
             <a:fld id="{B854FCCC-1971-4334-98E6-125E401D5C30}" type="datetimeFigureOut">
               <a:rPr lang="pt-BR" smtClean="0"/>
-              <a:t>28/08/2019</a:t>
+              <a:t>02/09/2019</a:t>
             </a:fld>
             <a:endParaRPr lang="pt-BR"/>
           </a:p>
@@ -5260,7 +5260,7 @@
           <a:p>
             <a:fld id="{B854FCCC-1971-4334-98E6-125E401D5C30}" type="datetimeFigureOut">
               <a:rPr lang="pt-BR" smtClean="0"/>
-              <a:t>28/08/2019</a:t>
+              <a:t>02/09/2019</a:t>
             </a:fld>
             <a:endParaRPr lang="pt-BR"/>
           </a:p>
